--- a/CANBUS/EV2/CAN Layout.pptx
+++ b/CANBUS/EV2/CAN Layout.pptx
@@ -104,6 +104,11 @@
       </a:defRPr>
     </a:lvl9pPr>
   </p:defaultTextStyle>
+  <p:extLst>
+    <p:ext uri="{EFAFB233-063F-42B5-8137-9DF3F51BA10A}">
+      <p15:sldGuideLst xmlns:p15="http://schemas.microsoft.com/office/powerpoint/2012/main"/>
+    </p:ext>
+  </p:extLst>
 </p:presentation>
 </file>
 
@@ -256,7 +261,7 @@
           <a:p>
             <a:fld id="{DB58E2ED-AC02-4463-9A8B-17EEB3B79BC9}" type="datetimeFigureOut">
               <a:rPr lang="en-AU" smtClean="0"/>
-              <a:t>26/04/2021</a:t>
+              <a:t>6/05/2021</a:t>
             </a:fld>
             <a:endParaRPr lang="en-AU"/>
           </a:p>
@@ -456,7 +461,7 @@
           <a:p>
             <a:fld id="{DB58E2ED-AC02-4463-9A8B-17EEB3B79BC9}" type="datetimeFigureOut">
               <a:rPr lang="en-AU" smtClean="0"/>
-              <a:t>26/04/2021</a:t>
+              <a:t>6/05/2021</a:t>
             </a:fld>
             <a:endParaRPr lang="en-AU"/>
           </a:p>
@@ -666,7 +671,7 @@
           <a:p>
             <a:fld id="{DB58E2ED-AC02-4463-9A8B-17EEB3B79BC9}" type="datetimeFigureOut">
               <a:rPr lang="en-AU" smtClean="0"/>
-              <a:t>26/04/2021</a:t>
+              <a:t>6/05/2021</a:t>
             </a:fld>
             <a:endParaRPr lang="en-AU"/>
           </a:p>
@@ -866,7 +871,7 @@
           <a:p>
             <a:fld id="{DB58E2ED-AC02-4463-9A8B-17EEB3B79BC9}" type="datetimeFigureOut">
               <a:rPr lang="en-AU" smtClean="0"/>
-              <a:t>26/04/2021</a:t>
+              <a:t>6/05/2021</a:t>
             </a:fld>
             <a:endParaRPr lang="en-AU"/>
           </a:p>
@@ -1142,7 +1147,7 @@
           <a:p>
             <a:fld id="{DB58E2ED-AC02-4463-9A8B-17EEB3B79BC9}" type="datetimeFigureOut">
               <a:rPr lang="en-AU" smtClean="0"/>
-              <a:t>26/04/2021</a:t>
+              <a:t>6/05/2021</a:t>
             </a:fld>
             <a:endParaRPr lang="en-AU"/>
           </a:p>
@@ -1410,7 +1415,7 @@
           <a:p>
             <a:fld id="{DB58E2ED-AC02-4463-9A8B-17EEB3B79BC9}" type="datetimeFigureOut">
               <a:rPr lang="en-AU" smtClean="0"/>
-              <a:t>26/04/2021</a:t>
+              <a:t>6/05/2021</a:t>
             </a:fld>
             <a:endParaRPr lang="en-AU"/>
           </a:p>
@@ -1825,7 +1830,7 @@
           <a:p>
             <a:fld id="{DB58E2ED-AC02-4463-9A8B-17EEB3B79BC9}" type="datetimeFigureOut">
               <a:rPr lang="en-AU" smtClean="0"/>
-              <a:t>26/04/2021</a:t>
+              <a:t>6/05/2021</a:t>
             </a:fld>
             <a:endParaRPr lang="en-AU"/>
           </a:p>
@@ -1967,7 +1972,7 @@
           <a:p>
             <a:fld id="{DB58E2ED-AC02-4463-9A8B-17EEB3B79BC9}" type="datetimeFigureOut">
               <a:rPr lang="en-AU" smtClean="0"/>
-              <a:t>26/04/2021</a:t>
+              <a:t>6/05/2021</a:t>
             </a:fld>
             <a:endParaRPr lang="en-AU"/>
           </a:p>
@@ -2080,7 +2085,7 @@
           <a:p>
             <a:fld id="{DB58E2ED-AC02-4463-9A8B-17EEB3B79BC9}" type="datetimeFigureOut">
               <a:rPr lang="en-AU" smtClean="0"/>
-              <a:t>26/04/2021</a:t>
+              <a:t>6/05/2021</a:t>
             </a:fld>
             <a:endParaRPr lang="en-AU"/>
           </a:p>
@@ -2393,7 +2398,7 @@
           <a:p>
             <a:fld id="{DB58E2ED-AC02-4463-9A8B-17EEB3B79BC9}" type="datetimeFigureOut">
               <a:rPr lang="en-AU" smtClean="0"/>
-              <a:t>26/04/2021</a:t>
+              <a:t>6/05/2021</a:t>
             </a:fld>
             <a:endParaRPr lang="en-AU"/>
           </a:p>
@@ -2682,7 +2687,7 @@
           <a:p>
             <a:fld id="{DB58E2ED-AC02-4463-9A8B-17EEB3B79BC9}" type="datetimeFigureOut">
               <a:rPr lang="en-AU" smtClean="0"/>
-              <a:t>26/04/2021</a:t>
+              <a:t>6/05/2021</a:t>
             </a:fld>
             <a:endParaRPr lang="en-AU"/>
           </a:p>
@@ -2925,7 +2930,7 @@
           <a:p>
             <a:fld id="{DB58E2ED-AC02-4463-9A8B-17EEB3B79BC9}" type="datetimeFigureOut">
               <a:rPr lang="en-AU" smtClean="0"/>
-              <a:t>26/04/2021</a:t>
+              <a:t>6/05/2021</a:t>
             </a:fld>
             <a:endParaRPr lang="en-AU"/>
           </a:p>
@@ -3485,7 +3490,7 @@
             <a:pPr algn="ctr"/>
             <a:r>
               <a:rPr lang="en-AU" dirty="0"/>
-              <a:t>Rear Box</a:t>
+              <a:t>Rear Node</a:t>
             </a:r>
           </a:p>
         </p:txBody>
@@ -3814,7 +3819,7 @@
         </p:nvCxnSpPr>
         <p:spPr>
           <a:xfrm>
-            <a:off x="923278" y="5113538"/>
+            <a:off x="1500327" y="4503652"/>
             <a:ext cx="1384916" cy="0"/>
           </a:xfrm>
           <a:prstGeom prst="line">
@@ -3853,7 +3858,7 @@
         </p:nvCxnSpPr>
         <p:spPr>
           <a:xfrm>
-            <a:off x="923278" y="5461247"/>
+            <a:off x="1500327" y="4851361"/>
             <a:ext cx="1384916" cy="0"/>
           </a:xfrm>
           <a:prstGeom prst="line">
@@ -3892,7 +3897,7 @@
         </p:nvCxnSpPr>
         <p:spPr>
           <a:xfrm>
-            <a:off x="923278" y="5825231"/>
+            <a:off x="1500327" y="5215345"/>
             <a:ext cx="1384916" cy="0"/>
           </a:xfrm>
           <a:prstGeom prst="line">
@@ -3929,7 +3934,7 @@
         </p:nvSpPr>
         <p:spPr>
           <a:xfrm>
-            <a:off x="2463552" y="5276581"/>
+            <a:off x="3040601" y="4666695"/>
             <a:ext cx="1228818" cy="369332"/>
           </a:xfrm>
           <a:prstGeom prst="rect">
@@ -3964,7 +3969,7 @@
         </p:nvSpPr>
         <p:spPr>
           <a:xfrm>
-            <a:off x="2463552" y="5645913"/>
+            <a:off x="3040601" y="5036027"/>
             <a:ext cx="1308453" cy="369332"/>
           </a:xfrm>
           <a:prstGeom prst="rect">
@@ -3999,7 +4004,7 @@
         </p:nvSpPr>
         <p:spPr>
           <a:xfrm>
-            <a:off x="2463552" y="4928872"/>
+            <a:off x="3040601" y="4318986"/>
             <a:ext cx="1308453" cy="369332"/>
           </a:xfrm>
           <a:prstGeom prst="rect">

--- a/CANBUS/EV2/CAN Layout.pptx
+++ b/CANBUS/EV2/CAN Layout.pptx
@@ -261,7 +261,7 @@
           <a:p>
             <a:fld id="{DB58E2ED-AC02-4463-9A8B-17EEB3B79BC9}" type="datetimeFigureOut">
               <a:rPr lang="en-AU" smtClean="0"/>
-              <a:t>6/05/2021</a:t>
+              <a:t>25/06/2021</a:t>
             </a:fld>
             <a:endParaRPr lang="en-AU"/>
           </a:p>
@@ -461,7 +461,7 @@
           <a:p>
             <a:fld id="{DB58E2ED-AC02-4463-9A8B-17EEB3B79BC9}" type="datetimeFigureOut">
               <a:rPr lang="en-AU" smtClean="0"/>
-              <a:t>6/05/2021</a:t>
+              <a:t>25/06/2021</a:t>
             </a:fld>
             <a:endParaRPr lang="en-AU"/>
           </a:p>
@@ -671,7 +671,7 @@
           <a:p>
             <a:fld id="{DB58E2ED-AC02-4463-9A8B-17EEB3B79BC9}" type="datetimeFigureOut">
               <a:rPr lang="en-AU" smtClean="0"/>
-              <a:t>6/05/2021</a:t>
+              <a:t>25/06/2021</a:t>
             </a:fld>
             <a:endParaRPr lang="en-AU"/>
           </a:p>
@@ -871,7 +871,7 @@
           <a:p>
             <a:fld id="{DB58E2ED-AC02-4463-9A8B-17EEB3B79BC9}" type="datetimeFigureOut">
               <a:rPr lang="en-AU" smtClean="0"/>
-              <a:t>6/05/2021</a:t>
+              <a:t>25/06/2021</a:t>
             </a:fld>
             <a:endParaRPr lang="en-AU"/>
           </a:p>
@@ -1147,7 +1147,7 @@
           <a:p>
             <a:fld id="{DB58E2ED-AC02-4463-9A8B-17EEB3B79BC9}" type="datetimeFigureOut">
               <a:rPr lang="en-AU" smtClean="0"/>
-              <a:t>6/05/2021</a:t>
+              <a:t>25/06/2021</a:t>
             </a:fld>
             <a:endParaRPr lang="en-AU"/>
           </a:p>
@@ -1415,7 +1415,7 @@
           <a:p>
             <a:fld id="{DB58E2ED-AC02-4463-9A8B-17EEB3B79BC9}" type="datetimeFigureOut">
               <a:rPr lang="en-AU" smtClean="0"/>
-              <a:t>6/05/2021</a:t>
+              <a:t>25/06/2021</a:t>
             </a:fld>
             <a:endParaRPr lang="en-AU"/>
           </a:p>
@@ -1830,7 +1830,7 @@
           <a:p>
             <a:fld id="{DB58E2ED-AC02-4463-9A8B-17EEB3B79BC9}" type="datetimeFigureOut">
               <a:rPr lang="en-AU" smtClean="0"/>
-              <a:t>6/05/2021</a:t>
+              <a:t>25/06/2021</a:t>
             </a:fld>
             <a:endParaRPr lang="en-AU"/>
           </a:p>
@@ -1972,7 +1972,7 @@
           <a:p>
             <a:fld id="{DB58E2ED-AC02-4463-9A8B-17EEB3B79BC9}" type="datetimeFigureOut">
               <a:rPr lang="en-AU" smtClean="0"/>
-              <a:t>6/05/2021</a:t>
+              <a:t>25/06/2021</a:t>
             </a:fld>
             <a:endParaRPr lang="en-AU"/>
           </a:p>
@@ -2085,7 +2085,7 @@
           <a:p>
             <a:fld id="{DB58E2ED-AC02-4463-9A8B-17EEB3B79BC9}" type="datetimeFigureOut">
               <a:rPr lang="en-AU" smtClean="0"/>
-              <a:t>6/05/2021</a:t>
+              <a:t>25/06/2021</a:t>
             </a:fld>
             <a:endParaRPr lang="en-AU"/>
           </a:p>
@@ -2398,7 +2398,7 @@
           <a:p>
             <a:fld id="{DB58E2ED-AC02-4463-9A8B-17EEB3B79BC9}" type="datetimeFigureOut">
               <a:rPr lang="en-AU" smtClean="0"/>
-              <a:t>6/05/2021</a:t>
+              <a:t>25/06/2021</a:t>
             </a:fld>
             <a:endParaRPr lang="en-AU"/>
           </a:p>
@@ -2687,7 +2687,7 @@
           <a:p>
             <a:fld id="{DB58E2ED-AC02-4463-9A8B-17EEB3B79BC9}" type="datetimeFigureOut">
               <a:rPr lang="en-AU" smtClean="0"/>
-              <a:t>6/05/2021</a:t>
+              <a:t>25/06/2021</a:t>
             </a:fld>
             <a:endParaRPr lang="en-AU"/>
           </a:p>
@@ -2930,7 +2930,7 @@
           <a:p>
             <a:fld id="{DB58E2ED-AC02-4463-9A8B-17EEB3B79BC9}" type="datetimeFigureOut">
               <a:rPr lang="en-AU" smtClean="0"/>
-              <a:t>6/05/2021</a:t>
+              <a:t>25/06/2021</a:t>
             </a:fld>
             <a:endParaRPr lang="en-AU"/>
           </a:p>
@@ -3390,10 +3390,9 @@
           <a:p>
             <a:pPr algn="ctr"/>
             <a:r>
-              <a:rPr lang="en-AU" dirty="0" err="1"/>
+              <a:rPr lang="en-AU" dirty="0"/>
               <a:t>MoTeC</a:t>
             </a:r>
-            <a:endParaRPr lang="en-AU" dirty="0"/>
           </a:p>
         </p:txBody>
       </p:sp>
